--- a/05-RolandOsterrieter-2018_07_09-MonteCarloMethodOnGPUs.pptx
+++ b/05-RolandOsterrieter-2018_07_09-MonteCarloMethodOnGPUs.pptx
@@ -122,7 +122,7 @@
   </p:defaultTextStyle>
   <p:extLst>
     <p:ext uri="{EFAFB233-063F-42B5-8137-9DF3F51BA10A}">
-      <p15:sldGuideLst xmlns:p15="http://schemas.microsoft.com/office/powerpoint/2012/main" xmlns="">
+      <p15:sldGuideLst xmlns="" xmlns:p15="http://schemas.microsoft.com/office/powerpoint/2012/main">
         <p15:guide id="1" orient="horz" pos="2160">
           <p15:clr>
             <a:srgbClr val="A4A3A4"/>
@@ -136,7 +136,7 @@
       </p15:sldGuideLst>
     </p:ext>
     <p:ext uri="{2D200454-40CA-4A62-9FC3-DE9A4176ACB9}">
-      <p15:notesGuideLst xmlns:p15="http://schemas.microsoft.com/office/powerpoint/2012/main" xmlns=""/>
+      <p15:notesGuideLst xmlns="" xmlns:p15="http://schemas.microsoft.com/office/powerpoint/2012/main"/>
     </p:ext>
   </p:extLst>
 </p:presentation>
@@ -330,11 +330,11 @@
           <c:showPercent val="0"/>
           <c:showBubbleSize val="0"/>
         </c:dLbls>
-        <c:axId val="143955456"/>
-        <c:axId val="143978880"/>
+        <c:axId val="174433024"/>
+        <c:axId val="174434944"/>
       </c:scatterChart>
       <c:valAx>
-        <c:axId val="143955456"/>
+        <c:axId val="174433024"/>
         <c:scaling>
           <c:orientation val="minMax"/>
           <c:max val="4096"/>
@@ -365,12 +365,12 @@
         <c:majorTickMark val="out"/>
         <c:minorTickMark val="none"/>
         <c:tickLblPos val="nextTo"/>
-        <c:crossAx val="143978880"/>
+        <c:crossAx val="174434944"/>
         <c:crosses val="autoZero"/>
         <c:crossBetween val="midCat"/>
       </c:valAx>
       <c:valAx>
-        <c:axId val="143978880"/>
+        <c:axId val="174434944"/>
         <c:scaling>
           <c:orientation val="minMax"/>
           <c:max val="18"/>
@@ -406,7 +406,7 @@
         <c:majorTickMark val="out"/>
         <c:minorTickMark val="none"/>
         <c:tickLblPos val="nextTo"/>
-        <c:crossAx val="143955456"/>
+        <c:crossAx val="174433024"/>
         <c:crosses val="autoZero"/>
         <c:crossBetween val="midCat"/>
       </c:valAx>
@@ -605,11 +605,11 @@
           <c:showPercent val="0"/>
           <c:showBubbleSize val="0"/>
         </c:dLbls>
-        <c:axId val="137528064"/>
-        <c:axId val="137529984"/>
+        <c:axId val="179919488"/>
+        <c:axId val="179921664"/>
       </c:scatterChart>
       <c:valAx>
-        <c:axId val="137528064"/>
+        <c:axId val="179919488"/>
         <c:scaling>
           <c:orientation val="minMax"/>
         </c:scaling>
@@ -639,12 +639,12 @@
         <c:majorTickMark val="out"/>
         <c:minorTickMark val="none"/>
         <c:tickLblPos val="nextTo"/>
-        <c:crossAx val="137529984"/>
+        <c:crossAx val="179921664"/>
         <c:crosses val="autoZero"/>
         <c:crossBetween val="midCat"/>
       </c:valAx>
       <c:valAx>
-        <c:axId val="137529984"/>
+        <c:axId val="179921664"/>
         <c:scaling>
           <c:orientation val="minMax"/>
         </c:scaling>
@@ -679,7 +679,7 @@
         <c:majorTickMark val="out"/>
         <c:minorTickMark val="none"/>
         <c:tickLblPos val="nextTo"/>
-        <c:crossAx val="137528064"/>
+        <c:crossAx val="179919488"/>
         <c:crosses val="autoZero"/>
         <c:crossBetween val="midCat"/>
       </c:valAx>
@@ -878,11 +878,11 @@
           <c:showPercent val="0"/>
           <c:showBubbleSize val="0"/>
         </c:dLbls>
-        <c:axId val="131517440"/>
-        <c:axId val="137507200"/>
+        <c:axId val="179951488"/>
+        <c:axId val="179957760"/>
       </c:scatterChart>
       <c:valAx>
-        <c:axId val="131517440"/>
+        <c:axId val="179951488"/>
         <c:scaling>
           <c:logBase val="10"/>
           <c:orientation val="minMax"/>
@@ -919,12 +919,12 @@
         <c:majorTickMark val="out"/>
         <c:minorTickMark val="none"/>
         <c:tickLblPos val="nextTo"/>
-        <c:crossAx val="137507200"/>
+        <c:crossAx val="179957760"/>
         <c:crosses val="autoZero"/>
         <c:crossBetween val="midCat"/>
       </c:valAx>
       <c:valAx>
-        <c:axId val="137507200"/>
+        <c:axId val="179957760"/>
         <c:scaling>
           <c:orientation val="minMax"/>
         </c:scaling>
@@ -954,7 +954,7 @@
         <c:majorTickMark val="out"/>
         <c:minorTickMark val="none"/>
         <c:tickLblPos val="nextTo"/>
-        <c:crossAx val="131517440"/>
+        <c:crossAx val="179951488"/>
         <c:crosses val="autoZero"/>
         <c:crossBetween val="midCat"/>
       </c:valAx>
@@ -1179,11 +1179,11 @@
           <c:showPercent val="0"/>
           <c:showBubbleSize val="0"/>
         </c:dLbls>
-        <c:axId val="159519872"/>
-        <c:axId val="159521792"/>
+        <c:axId val="179740672"/>
+        <c:axId val="179742592"/>
       </c:scatterChart>
       <c:valAx>
-        <c:axId val="159519872"/>
+        <c:axId val="179740672"/>
         <c:scaling>
           <c:logBase val="10"/>
           <c:orientation val="minMax"/>
@@ -1219,12 +1219,12 @@
         <c:majorTickMark val="out"/>
         <c:minorTickMark val="none"/>
         <c:tickLblPos val="nextTo"/>
-        <c:crossAx val="159521792"/>
+        <c:crossAx val="179742592"/>
         <c:crosses val="autoZero"/>
         <c:crossBetween val="midCat"/>
       </c:valAx>
       <c:valAx>
-        <c:axId val="159521792"/>
+        <c:axId val="179742592"/>
         <c:scaling>
           <c:orientation val="minMax"/>
           <c:max val="0.30000000000000004"/>
@@ -1255,7 +1255,7 @@
         <c:majorTickMark val="out"/>
         <c:minorTickMark val="none"/>
         <c:tickLblPos val="nextTo"/>
-        <c:crossAx val="159519872"/>
+        <c:crossAx val="179740672"/>
         <c:crosses val="autoZero"/>
         <c:crossBetween val="midCat"/>
       </c:valAx>
@@ -1352,7 +1352,7 @@
           <a:p>
             <a:fld id="{FA8F02CA-77CB-4E54-B712-21E588799EE8}" type="datetimeFigureOut">
               <a:rPr lang="de-DE" smtClean="0"/>
-              <a:t>08.07.2018</a:t>
+              <a:t>09.07.2018</a:t>
             </a:fld>
             <a:endParaRPr lang="de-DE"/>
           </a:p>
@@ -1789,7 +1789,7 @@
           <p:cNvPr id="17" name="Grafik 16">
             <a:extLst>
               <a:ext uri="{FF2B5EF4-FFF2-40B4-BE49-F238E27FC236}">
-                <a16:creationId xmlns:a16="http://schemas.microsoft.com/office/drawing/2014/main" xmlns="" id="{34A4FA1F-572C-4F3C-AB2C-552C89D6A712}"/>
+                <a16:creationId xmlns="" xmlns:a16="http://schemas.microsoft.com/office/drawing/2014/main" id="{34A4FA1F-572C-4F3C-AB2C-552C89D6A712}"/>
               </a:ext>
             </a:extLst>
           </p:cNvPr>
@@ -1825,7 +1825,7 @@
           <p:cNvPr id="10" name="Grafik 9">
             <a:extLst>
               <a:ext uri="{FF2B5EF4-FFF2-40B4-BE49-F238E27FC236}">
-                <a16:creationId xmlns:a16="http://schemas.microsoft.com/office/drawing/2014/main" xmlns="" id="{4090895A-30BF-4A15-94E0-FFEF7CFE8732}"/>
+                <a16:creationId xmlns="" xmlns:a16="http://schemas.microsoft.com/office/drawing/2014/main" id="{4090895A-30BF-4A15-94E0-FFEF7CFE8732}"/>
               </a:ext>
             </a:extLst>
           </p:cNvPr>
@@ -1861,7 +1861,7 @@
           <p:cNvPr id="24" name="Text Box 21">
             <a:extLst>
               <a:ext uri="{FF2B5EF4-FFF2-40B4-BE49-F238E27FC236}">
-                <a16:creationId xmlns:a16="http://schemas.microsoft.com/office/drawing/2014/main" xmlns="" id="{06FC442B-9238-4D7D-AE83-C3F29F1B7AA6}"/>
+                <a16:creationId xmlns="" xmlns:a16="http://schemas.microsoft.com/office/drawing/2014/main" id="{06FC442B-9238-4D7D-AE83-C3F29F1B7AA6}"/>
               </a:ext>
             </a:extLst>
           </p:cNvPr>
@@ -1925,7 +1925,7 @@
           <p:cNvPr id="28" name="Text Box 14">
             <a:extLst>
               <a:ext uri="{FF2B5EF4-FFF2-40B4-BE49-F238E27FC236}">
-                <a16:creationId xmlns:a16="http://schemas.microsoft.com/office/drawing/2014/main" xmlns="" id="{8B90B0AC-C3A4-45BF-ABCA-1F7E06B01971}"/>
+                <a16:creationId xmlns="" xmlns:a16="http://schemas.microsoft.com/office/drawing/2014/main" id="{8B90B0AC-C3A4-45BF-ABCA-1F7E06B01971}"/>
               </a:ext>
             </a:extLst>
           </p:cNvPr>
@@ -1977,7 +1977,7 @@
           <p:cNvPr id="29" name="Text Box 14">
             <a:extLst>
               <a:ext uri="{FF2B5EF4-FFF2-40B4-BE49-F238E27FC236}">
-                <a16:creationId xmlns:a16="http://schemas.microsoft.com/office/drawing/2014/main" xmlns="" id="{F16E5C71-17DC-4E14-A36D-AE67CD44D7AA}"/>
+                <a16:creationId xmlns="" xmlns:a16="http://schemas.microsoft.com/office/drawing/2014/main" id="{F16E5C71-17DC-4E14-A36D-AE67CD44D7AA}"/>
               </a:ext>
             </a:extLst>
           </p:cNvPr>
@@ -2065,7 +2065,7 @@
           <p:cNvPr id="2" name="Titel 1">
             <a:extLst>
               <a:ext uri="{FF2B5EF4-FFF2-40B4-BE49-F238E27FC236}">
-                <a16:creationId xmlns:a16="http://schemas.microsoft.com/office/drawing/2014/main" xmlns="" id="{F9EEED28-0813-48F9-AD7B-C3F4746178D5}"/>
+                <a16:creationId xmlns="" xmlns:a16="http://schemas.microsoft.com/office/drawing/2014/main" id="{F9EEED28-0813-48F9-AD7B-C3F4746178D5}"/>
               </a:ext>
             </a:extLst>
           </p:cNvPr>
@@ -2093,7 +2093,7 @@
           <p:cNvPr id="3" name="Vertikaler Textplatzhalter 2">
             <a:extLst>
               <a:ext uri="{FF2B5EF4-FFF2-40B4-BE49-F238E27FC236}">
-                <a16:creationId xmlns:a16="http://schemas.microsoft.com/office/drawing/2014/main" xmlns="" id="{0266842F-36EC-49E9-AC66-9EB007252349}"/>
+                <a16:creationId xmlns="" xmlns:a16="http://schemas.microsoft.com/office/drawing/2014/main" id="{0266842F-36EC-49E9-AC66-9EB007252349}"/>
               </a:ext>
             </a:extLst>
           </p:cNvPr>
@@ -2150,7 +2150,7 @@
           <p:cNvPr id="4" name="Datumsplatzhalter 3">
             <a:extLst>
               <a:ext uri="{FF2B5EF4-FFF2-40B4-BE49-F238E27FC236}">
-                <a16:creationId xmlns:a16="http://schemas.microsoft.com/office/drawing/2014/main" xmlns="" id="{0452B680-CC44-46FC-A93F-4E9655E7290E}"/>
+                <a16:creationId xmlns="" xmlns:a16="http://schemas.microsoft.com/office/drawing/2014/main" id="{0452B680-CC44-46FC-A93F-4E9655E7290E}"/>
               </a:ext>
             </a:extLst>
           </p:cNvPr>
@@ -2168,7 +2168,7 @@
           <a:p>
             <a:fld id="{8382E397-100A-475A-A700-491FA3AB1350}" type="datetime1">
               <a:rPr lang="de-DE" smtClean="0"/>
-              <a:t>08.07.2018</a:t>
+              <a:t>09.07.2018</a:t>
             </a:fld>
             <a:endParaRPr lang="de-DE"/>
           </a:p>
@@ -2179,7 +2179,7 @@
           <p:cNvPr id="6" name="Foliennummernplatzhalter 5">
             <a:extLst>
               <a:ext uri="{FF2B5EF4-FFF2-40B4-BE49-F238E27FC236}">
-                <a16:creationId xmlns:a16="http://schemas.microsoft.com/office/drawing/2014/main" xmlns="" id="{A4520D94-8011-4067-9EDC-3FAEFF220859}"/>
+                <a16:creationId xmlns="" xmlns:a16="http://schemas.microsoft.com/office/drawing/2014/main" id="{A4520D94-8011-4067-9EDC-3FAEFF220859}"/>
               </a:ext>
             </a:extLst>
           </p:cNvPr>
@@ -2238,7 +2238,7 @@
           <p:cNvPr id="2" name="Vertikaler Titel 1">
             <a:extLst>
               <a:ext uri="{FF2B5EF4-FFF2-40B4-BE49-F238E27FC236}">
-                <a16:creationId xmlns:a16="http://schemas.microsoft.com/office/drawing/2014/main" xmlns="" id="{5B59FA6F-E1AA-4777-A938-29505698E50D}"/>
+                <a16:creationId xmlns="" xmlns:a16="http://schemas.microsoft.com/office/drawing/2014/main" id="{5B59FA6F-E1AA-4777-A938-29505698E50D}"/>
               </a:ext>
             </a:extLst>
           </p:cNvPr>
@@ -2275,7 +2275,7 @@
           <p:cNvPr id="3" name="Vertikaler Textplatzhalter 2">
             <a:extLst>
               <a:ext uri="{FF2B5EF4-FFF2-40B4-BE49-F238E27FC236}">
-                <a16:creationId xmlns:a16="http://schemas.microsoft.com/office/drawing/2014/main" xmlns="" id="{189F0E4A-734C-478B-A5C1-DC36FE4AD363}"/>
+                <a16:creationId xmlns="" xmlns:a16="http://schemas.microsoft.com/office/drawing/2014/main" id="{189F0E4A-734C-478B-A5C1-DC36FE4AD363}"/>
               </a:ext>
             </a:extLst>
           </p:cNvPr>
@@ -2337,7 +2337,7 @@
           <p:cNvPr id="4" name="Datumsplatzhalter 3">
             <a:extLst>
               <a:ext uri="{FF2B5EF4-FFF2-40B4-BE49-F238E27FC236}">
-                <a16:creationId xmlns:a16="http://schemas.microsoft.com/office/drawing/2014/main" xmlns="" id="{3DEC746F-EE53-4616-80E6-53E7FAE04EEE}"/>
+                <a16:creationId xmlns="" xmlns:a16="http://schemas.microsoft.com/office/drawing/2014/main" id="{3DEC746F-EE53-4616-80E6-53E7FAE04EEE}"/>
               </a:ext>
             </a:extLst>
           </p:cNvPr>
@@ -2355,7 +2355,7 @@
           <a:p>
             <a:fld id="{351B1B60-3C25-4C77-AA2A-6C0DFFBDCBED}" type="datetime1">
               <a:rPr lang="de-DE" smtClean="0"/>
-              <a:t>08.07.2018</a:t>
+              <a:t>09.07.2018</a:t>
             </a:fld>
             <a:endParaRPr lang="de-DE"/>
           </a:p>
@@ -2366,7 +2366,7 @@
           <p:cNvPr id="6" name="Foliennummernplatzhalter 5">
             <a:extLst>
               <a:ext uri="{FF2B5EF4-FFF2-40B4-BE49-F238E27FC236}">
-                <a16:creationId xmlns:a16="http://schemas.microsoft.com/office/drawing/2014/main" xmlns="" id="{907B5C8F-8341-4F40-8C12-2C5925ADC81F}"/>
+                <a16:creationId xmlns="" xmlns:a16="http://schemas.microsoft.com/office/drawing/2014/main" id="{907B5C8F-8341-4F40-8C12-2C5925ADC81F}"/>
               </a:ext>
             </a:extLst>
           </p:cNvPr>
@@ -2425,7 +2425,7 @@
           <p:cNvPr id="2" name="Titel 1">
             <a:extLst>
               <a:ext uri="{FF2B5EF4-FFF2-40B4-BE49-F238E27FC236}">
-                <a16:creationId xmlns:a16="http://schemas.microsoft.com/office/drawing/2014/main" xmlns="" id="{829FAF4A-98FA-4066-8B9E-CA0D85F230A1}"/>
+                <a16:creationId xmlns="" xmlns:a16="http://schemas.microsoft.com/office/drawing/2014/main" id="{829FAF4A-98FA-4066-8B9E-CA0D85F230A1}"/>
               </a:ext>
             </a:extLst>
           </p:cNvPr>
@@ -2453,7 +2453,7 @@
           <p:cNvPr id="3" name="Inhaltsplatzhalter 2">
             <a:extLst>
               <a:ext uri="{FF2B5EF4-FFF2-40B4-BE49-F238E27FC236}">
-                <a16:creationId xmlns:a16="http://schemas.microsoft.com/office/drawing/2014/main" xmlns="" id="{C2C87942-EC3B-41F9-B423-824D3C3745B6}"/>
+                <a16:creationId xmlns="" xmlns:a16="http://schemas.microsoft.com/office/drawing/2014/main" id="{C2C87942-EC3B-41F9-B423-824D3C3745B6}"/>
               </a:ext>
             </a:extLst>
           </p:cNvPr>
@@ -2510,7 +2510,7 @@
           <p:cNvPr id="6" name="Foliennummernplatzhalter 5">
             <a:extLst>
               <a:ext uri="{FF2B5EF4-FFF2-40B4-BE49-F238E27FC236}">
-                <a16:creationId xmlns:a16="http://schemas.microsoft.com/office/drawing/2014/main" xmlns="" id="{C33DED0A-B994-4DFB-A110-A8E07CC6455A}"/>
+                <a16:creationId xmlns="" xmlns:a16="http://schemas.microsoft.com/office/drawing/2014/main" id="{C33DED0A-B994-4DFB-A110-A8E07CC6455A}"/>
               </a:ext>
             </a:extLst>
           </p:cNvPr>
@@ -2576,7 +2576,7 @@
           <p:cNvPr id="2" name="Titel 1">
             <a:extLst>
               <a:ext uri="{FF2B5EF4-FFF2-40B4-BE49-F238E27FC236}">
-                <a16:creationId xmlns:a16="http://schemas.microsoft.com/office/drawing/2014/main" xmlns="" id="{0BE38482-A4C7-42DF-9634-E3B98975DA59}"/>
+                <a16:creationId xmlns="" xmlns:a16="http://schemas.microsoft.com/office/drawing/2014/main" id="{0BE38482-A4C7-42DF-9634-E3B98975DA59}"/>
               </a:ext>
             </a:extLst>
           </p:cNvPr>
@@ -2613,7 +2613,7 @@
           <p:cNvPr id="3" name="Textplatzhalter 2">
             <a:extLst>
               <a:ext uri="{FF2B5EF4-FFF2-40B4-BE49-F238E27FC236}">
-                <a16:creationId xmlns:a16="http://schemas.microsoft.com/office/drawing/2014/main" xmlns="" id="{DECEB0C6-0D9E-4ADD-B029-512526865D12}"/>
+                <a16:creationId xmlns="" xmlns:a16="http://schemas.microsoft.com/office/drawing/2014/main" id="{DECEB0C6-0D9E-4ADD-B029-512526865D12}"/>
               </a:ext>
             </a:extLst>
           </p:cNvPr>
@@ -2738,7 +2738,7 @@
           <p:cNvPr id="4" name="Datumsplatzhalter 3">
             <a:extLst>
               <a:ext uri="{FF2B5EF4-FFF2-40B4-BE49-F238E27FC236}">
-                <a16:creationId xmlns:a16="http://schemas.microsoft.com/office/drawing/2014/main" xmlns="" id="{E325BB92-0C01-42FC-B768-1D40829A7E88}"/>
+                <a16:creationId xmlns="" xmlns:a16="http://schemas.microsoft.com/office/drawing/2014/main" id="{E325BB92-0C01-42FC-B768-1D40829A7E88}"/>
               </a:ext>
             </a:extLst>
           </p:cNvPr>
@@ -2756,7 +2756,7 @@
           <a:p>
             <a:fld id="{13B64651-21E3-4B05-A21A-F74B3E5F4A0D}" type="datetime1">
               <a:rPr lang="de-DE" smtClean="0"/>
-              <a:t>08.07.2018</a:t>
+              <a:t>09.07.2018</a:t>
             </a:fld>
             <a:endParaRPr lang="de-DE"/>
           </a:p>
@@ -2767,7 +2767,7 @@
           <p:cNvPr id="6" name="Foliennummernplatzhalter 5">
             <a:extLst>
               <a:ext uri="{FF2B5EF4-FFF2-40B4-BE49-F238E27FC236}">
-                <a16:creationId xmlns:a16="http://schemas.microsoft.com/office/drawing/2014/main" xmlns="" id="{253AEFB2-DB19-4BB5-8BB0-51D8053E35F3}"/>
+                <a16:creationId xmlns="" xmlns:a16="http://schemas.microsoft.com/office/drawing/2014/main" id="{253AEFB2-DB19-4BB5-8BB0-51D8053E35F3}"/>
               </a:ext>
             </a:extLst>
           </p:cNvPr>
@@ -2833,7 +2833,7 @@
           <p:cNvPr id="2" name="Titel 1">
             <a:extLst>
               <a:ext uri="{FF2B5EF4-FFF2-40B4-BE49-F238E27FC236}">
-                <a16:creationId xmlns:a16="http://schemas.microsoft.com/office/drawing/2014/main" xmlns="" id="{35014A50-2840-4153-8ACA-21DDA74173BF}"/>
+                <a16:creationId xmlns="" xmlns:a16="http://schemas.microsoft.com/office/drawing/2014/main" id="{35014A50-2840-4153-8ACA-21DDA74173BF}"/>
               </a:ext>
             </a:extLst>
           </p:cNvPr>
@@ -2861,7 +2861,7 @@
           <p:cNvPr id="3" name="Inhaltsplatzhalter 2">
             <a:extLst>
               <a:ext uri="{FF2B5EF4-FFF2-40B4-BE49-F238E27FC236}">
-                <a16:creationId xmlns:a16="http://schemas.microsoft.com/office/drawing/2014/main" xmlns="" id="{39C76C89-8E8C-4A66-8B31-797AD514354F}"/>
+                <a16:creationId xmlns="" xmlns:a16="http://schemas.microsoft.com/office/drawing/2014/main" id="{39C76C89-8E8C-4A66-8B31-797AD514354F}"/>
               </a:ext>
             </a:extLst>
           </p:cNvPr>
@@ -2923,7 +2923,7 @@
           <p:cNvPr id="4" name="Inhaltsplatzhalter 3">
             <a:extLst>
               <a:ext uri="{FF2B5EF4-FFF2-40B4-BE49-F238E27FC236}">
-                <a16:creationId xmlns:a16="http://schemas.microsoft.com/office/drawing/2014/main" xmlns="" id="{9A0CBC72-16DA-4743-A938-06A0A3121EB7}"/>
+                <a16:creationId xmlns="" xmlns:a16="http://schemas.microsoft.com/office/drawing/2014/main" id="{9A0CBC72-16DA-4743-A938-06A0A3121EB7}"/>
               </a:ext>
             </a:extLst>
           </p:cNvPr>
@@ -2985,7 +2985,7 @@
           <p:cNvPr id="5" name="Datumsplatzhalter 4">
             <a:extLst>
               <a:ext uri="{FF2B5EF4-FFF2-40B4-BE49-F238E27FC236}">
-                <a16:creationId xmlns:a16="http://schemas.microsoft.com/office/drawing/2014/main" xmlns="" id="{94113EAF-40FF-498E-B96E-B770070E3B30}"/>
+                <a16:creationId xmlns="" xmlns:a16="http://schemas.microsoft.com/office/drawing/2014/main" id="{94113EAF-40FF-498E-B96E-B770070E3B30}"/>
               </a:ext>
             </a:extLst>
           </p:cNvPr>
@@ -3003,7 +3003,7 @@
           <a:p>
             <a:fld id="{63B289D5-43E6-4D1F-B539-39F71ED417AC}" type="datetime1">
               <a:rPr lang="de-DE" smtClean="0"/>
-              <a:t>08.07.2018</a:t>
+              <a:t>09.07.2018</a:t>
             </a:fld>
             <a:endParaRPr lang="de-DE"/>
           </a:p>
@@ -3014,7 +3014,7 @@
           <p:cNvPr id="7" name="Foliennummernplatzhalter 6">
             <a:extLst>
               <a:ext uri="{FF2B5EF4-FFF2-40B4-BE49-F238E27FC236}">
-                <a16:creationId xmlns:a16="http://schemas.microsoft.com/office/drawing/2014/main" xmlns="" id="{E4CD4877-D48C-495B-8B04-F622FC2261D1}"/>
+                <a16:creationId xmlns="" xmlns:a16="http://schemas.microsoft.com/office/drawing/2014/main" id="{E4CD4877-D48C-495B-8B04-F622FC2261D1}"/>
               </a:ext>
             </a:extLst>
           </p:cNvPr>
@@ -3080,7 +3080,7 @@
           <p:cNvPr id="3" name="Textplatzhalter 2">
             <a:extLst>
               <a:ext uri="{FF2B5EF4-FFF2-40B4-BE49-F238E27FC236}">
-                <a16:creationId xmlns:a16="http://schemas.microsoft.com/office/drawing/2014/main" xmlns="" id="{906C1A6E-EDD8-422C-9528-06F9CBF8D517}"/>
+                <a16:creationId xmlns="" xmlns:a16="http://schemas.microsoft.com/office/drawing/2014/main" id="{906C1A6E-EDD8-422C-9528-06F9CBF8D517}"/>
               </a:ext>
             </a:extLst>
           </p:cNvPr>
@@ -3153,7 +3153,7 @@
           <p:cNvPr id="4" name="Inhaltsplatzhalter 3">
             <a:extLst>
               <a:ext uri="{FF2B5EF4-FFF2-40B4-BE49-F238E27FC236}">
-                <a16:creationId xmlns:a16="http://schemas.microsoft.com/office/drawing/2014/main" xmlns="" id="{907BC53E-907B-434C-B849-6EB9897B4BA9}"/>
+                <a16:creationId xmlns="" xmlns:a16="http://schemas.microsoft.com/office/drawing/2014/main" id="{907BC53E-907B-434C-B849-6EB9897B4BA9}"/>
               </a:ext>
             </a:extLst>
           </p:cNvPr>
@@ -3215,7 +3215,7 @@
           <p:cNvPr id="5" name="Textplatzhalter 4">
             <a:extLst>
               <a:ext uri="{FF2B5EF4-FFF2-40B4-BE49-F238E27FC236}">
-                <a16:creationId xmlns:a16="http://schemas.microsoft.com/office/drawing/2014/main" xmlns="" id="{6D479D9E-3156-4950-B7AC-7F88AF33311C}"/>
+                <a16:creationId xmlns="" xmlns:a16="http://schemas.microsoft.com/office/drawing/2014/main" id="{6D479D9E-3156-4950-B7AC-7F88AF33311C}"/>
               </a:ext>
             </a:extLst>
           </p:cNvPr>
@@ -3288,7 +3288,7 @@
           <p:cNvPr id="6" name="Inhaltsplatzhalter 5">
             <a:extLst>
               <a:ext uri="{FF2B5EF4-FFF2-40B4-BE49-F238E27FC236}">
-                <a16:creationId xmlns:a16="http://schemas.microsoft.com/office/drawing/2014/main" xmlns="" id="{A0FEC748-198E-476C-A61F-8533DBE171B3}"/>
+                <a16:creationId xmlns="" xmlns:a16="http://schemas.microsoft.com/office/drawing/2014/main" id="{A0FEC748-198E-476C-A61F-8533DBE171B3}"/>
               </a:ext>
             </a:extLst>
           </p:cNvPr>
@@ -3350,7 +3350,7 @@
           <p:cNvPr id="7" name="Datumsplatzhalter 6">
             <a:extLst>
               <a:ext uri="{FF2B5EF4-FFF2-40B4-BE49-F238E27FC236}">
-                <a16:creationId xmlns:a16="http://schemas.microsoft.com/office/drawing/2014/main" xmlns="" id="{F40AC501-5695-4386-935B-DB83960E7933}"/>
+                <a16:creationId xmlns="" xmlns:a16="http://schemas.microsoft.com/office/drawing/2014/main" id="{F40AC501-5695-4386-935B-DB83960E7933}"/>
               </a:ext>
             </a:extLst>
           </p:cNvPr>
@@ -3368,7 +3368,7 @@
           <a:p>
             <a:fld id="{14A05B79-B596-4690-9895-C9C407BC3B99}" type="datetime1">
               <a:rPr lang="de-DE" smtClean="0"/>
-              <a:t>08.07.2018</a:t>
+              <a:t>09.07.2018</a:t>
             </a:fld>
             <a:endParaRPr lang="de-DE"/>
           </a:p>
@@ -3379,7 +3379,7 @@
           <p:cNvPr id="9" name="Foliennummernplatzhalter 8">
             <a:extLst>
               <a:ext uri="{FF2B5EF4-FFF2-40B4-BE49-F238E27FC236}">
-                <a16:creationId xmlns:a16="http://schemas.microsoft.com/office/drawing/2014/main" xmlns="" id="{6D3C1AA5-42FD-4D92-B65E-F992356AC2A8}"/>
+                <a16:creationId xmlns="" xmlns:a16="http://schemas.microsoft.com/office/drawing/2014/main" id="{6D3C1AA5-42FD-4D92-B65E-F992356AC2A8}"/>
               </a:ext>
             </a:extLst>
           </p:cNvPr>
@@ -3408,7 +3408,7 @@
           <p:cNvPr id="10" name="Titel 1">
             <a:extLst>
               <a:ext uri="{FF2B5EF4-FFF2-40B4-BE49-F238E27FC236}">
-                <a16:creationId xmlns:a16="http://schemas.microsoft.com/office/drawing/2014/main" xmlns="" id="{F04BAF94-C42F-462E-82C0-763E495FCFD3}"/>
+                <a16:creationId xmlns="" xmlns:a16="http://schemas.microsoft.com/office/drawing/2014/main" id="{F04BAF94-C42F-462E-82C0-763E495FCFD3}"/>
               </a:ext>
             </a:extLst>
           </p:cNvPr>
@@ -3478,7 +3478,7 @@
           <p:cNvPr id="2" name="Titel 1">
             <a:extLst>
               <a:ext uri="{FF2B5EF4-FFF2-40B4-BE49-F238E27FC236}">
-                <a16:creationId xmlns:a16="http://schemas.microsoft.com/office/drawing/2014/main" xmlns="" id="{FD56C626-8132-477C-94F0-A8B5D6D3A48A}"/>
+                <a16:creationId xmlns="" xmlns:a16="http://schemas.microsoft.com/office/drawing/2014/main" id="{FD56C626-8132-477C-94F0-A8B5D6D3A48A}"/>
               </a:ext>
             </a:extLst>
           </p:cNvPr>
@@ -3506,7 +3506,7 @@
           <p:cNvPr id="3" name="Datumsplatzhalter 2">
             <a:extLst>
               <a:ext uri="{FF2B5EF4-FFF2-40B4-BE49-F238E27FC236}">
-                <a16:creationId xmlns:a16="http://schemas.microsoft.com/office/drawing/2014/main" xmlns="" id="{BA9F8FE1-C692-4F56-934A-4141099A00FF}"/>
+                <a16:creationId xmlns="" xmlns:a16="http://schemas.microsoft.com/office/drawing/2014/main" id="{BA9F8FE1-C692-4F56-934A-4141099A00FF}"/>
               </a:ext>
             </a:extLst>
           </p:cNvPr>
@@ -3524,7 +3524,7 @@
           <a:p>
             <a:fld id="{560EE44B-755F-4E88-9A1C-AFC9BAC62364}" type="datetime1">
               <a:rPr lang="de-DE" smtClean="0"/>
-              <a:t>08.07.2018</a:t>
+              <a:t>09.07.2018</a:t>
             </a:fld>
             <a:endParaRPr lang="de-DE"/>
           </a:p>
@@ -3535,7 +3535,7 @@
           <p:cNvPr id="5" name="Foliennummernplatzhalter 4">
             <a:extLst>
               <a:ext uri="{FF2B5EF4-FFF2-40B4-BE49-F238E27FC236}">
-                <a16:creationId xmlns:a16="http://schemas.microsoft.com/office/drawing/2014/main" xmlns="" id="{DE3A87BF-61DB-4C5B-BDC1-0B1DEC742F83}"/>
+                <a16:creationId xmlns="" xmlns:a16="http://schemas.microsoft.com/office/drawing/2014/main" id="{DE3A87BF-61DB-4C5B-BDC1-0B1DEC742F83}"/>
               </a:ext>
             </a:extLst>
           </p:cNvPr>
@@ -3601,7 +3601,7 @@
           <p:cNvPr id="2" name="Datumsplatzhalter 1">
             <a:extLst>
               <a:ext uri="{FF2B5EF4-FFF2-40B4-BE49-F238E27FC236}">
-                <a16:creationId xmlns:a16="http://schemas.microsoft.com/office/drawing/2014/main" xmlns="" id="{DDE91BA8-F339-42A0-BF2B-D7754B12C385}"/>
+                <a16:creationId xmlns="" xmlns:a16="http://schemas.microsoft.com/office/drawing/2014/main" id="{DDE91BA8-F339-42A0-BF2B-D7754B12C385}"/>
               </a:ext>
             </a:extLst>
           </p:cNvPr>
@@ -3619,7 +3619,7 @@
           <a:p>
             <a:fld id="{7A4FA5E6-A8F5-460C-A8CA-0B9880B32CAB}" type="datetime1">
               <a:rPr lang="de-DE" smtClean="0"/>
-              <a:t>08.07.2018</a:t>
+              <a:t>09.07.2018</a:t>
             </a:fld>
             <a:endParaRPr lang="de-DE"/>
           </a:p>
@@ -3630,7 +3630,7 @@
           <p:cNvPr id="4" name="Foliennummernplatzhalter 3">
             <a:extLst>
               <a:ext uri="{FF2B5EF4-FFF2-40B4-BE49-F238E27FC236}">
-                <a16:creationId xmlns:a16="http://schemas.microsoft.com/office/drawing/2014/main" xmlns="" id="{71F3F036-A58A-460E-A412-F0755713520C}"/>
+                <a16:creationId xmlns="" xmlns:a16="http://schemas.microsoft.com/office/drawing/2014/main" id="{71F3F036-A58A-460E-A412-F0755713520C}"/>
               </a:ext>
             </a:extLst>
           </p:cNvPr>
@@ -3696,7 +3696,7 @@
           <p:cNvPr id="3" name="Inhaltsplatzhalter 2">
             <a:extLst>
               <a:ext uri="{FF2B5EF4-FFF2-40B4-BE49-F238E27FC236}">
-                <a16:creationId xmlns:a16="http://schemas.microsoft.com/office/drawing/2014/main" xmlns="" id="{FE224A74-2B50-4671-B7C8-F6B84532D143}"/>
+                <a16:creationId xmlns="" xmlns:a16="http://schemas.microsoft.com/office/drawing/2014/main" id="{FE224A74-2B50-4671-B7C8-F6B84532D143}"/>
               </a:ext>
             </a:extLst>
           </p:cNvPr>
@@ -3786,7 +3786,7 @@
           <p:cNvPr id="4" name="Textplatzhalter 3">
             <a:extLst>
               <a:ext uri="{FF2B5EF4-FFF2-40B4-BE49-F238E27FC236}">
-                <a16:creationId xmlns:a16="http://schemas.microsoft.com/office/drawing/2014/main" xmlns="" id="{07ABDF8E-853E-40DA-9E40-4DF3ECF08030}"/>
+                <a16:creationId xmlns="" xmlns:a16="http://schemas.microsoft.com/office/drawing/2014/main" id="{07ABDF8E-853E-40DA-9E40-4DF3ECF08030}"/>
               </a:ext>
             </a:extLst>
           </p:cNvPr>
@@ -3857,7 +3857,7 @@
           <p:cNvPr id="5" name="Datumsplatzhalter 4">
             <a:extLst>
               <a:ext uri="{FF2B5EF4-FFF2-40B4-BE49-F238E27FC236}">
-                <a16:creationId xmlns:a16="http://schemas.microsoft.com/office/drawing/2014/main" xmlns="" id="{7E42AD4C-CB86-40D0-A87F-685806730154}"/>
+                <a16:creationId xmlns="" xmlns:a16="http://schemas.microsoft.com/office/drawing/2014/main" id="{7E42AD4C-CB86-40D0-A87F-685806730154}"/>
               </a:ext>
             </a:extLst>
           </p:cNvPr>
@@ -3875,7 +3875,7 @@
           <a:p>
             <a:fld id="{208C9E86-9A8D-49E8-8FC4-3CF1BF753F39}" type="datetime1">
               <a:rPr lang="de-DE" smtClean="0"/>
-              <a:t>08.07.2018</a:t>
+              <a:t>09.07.2018</a:t>
             </a:fld>
             <a:endParaRPr lang="de-DE"/>
           </a:p>
@@ -3886,7 +3886,7 @@
           <p:cNvPr id="7" name="Foliennummernplatzhalter 6">
             <a:extLst>
               <a:ext uri="{FF2B5EF4-FFF2-40B4-BE49-F238E27FC236}">
-                <a16:creationId xmlns:a16="http://schemas.microsoft.com/office/drawing/2014/main" xmlns="" id="{F00E594F-F0BE-4E57-97AE-D237D0231567}"/>
+                <a16:creationId xmlns="" xmlns:a16="http://schemas.microsoft.com/office/drawing/2014/main" id="{F00E594F-F0BE-4E57-97AE-D237D0231567}"/>
               </a:ext>
             </a:extLst>
           </p:cNvPr>
@@ -3915,7 +3915,7 @@
           <p:cNvPr id="8" name="Titel 1">
             <a:extLst>
               <a:ext uri="{FF2B5EF4-FFF2-40B4-BE49-F238E27FC236}">
-                <a16:creationId xmlns:a16="http://schemas.microsoft.com/office/drawing/2014/main" xmlns="" id="{43977C42-FB14-40A6-80E5-05347C2E8D21}"/>
+                <a16:creationId xmlns="" xmlns:a16="http://schemas.microsoft.com/office/drawing/2014/main" id="{43977C42-FB14-40A6-80E5-05347C2E8D21}"/>
               </a:ext>
             </a:extLst>
           </p:cNvPr>
@@ -3985,7 +3985,7 @@
           <p:cNvPr id="2" name="Titel 1">
             <a:extLst>
               <a:ext uri="{FF2B5EF4-FFF2-40B4-BE49-F238E27FC236}">
-                <a16:creationId xmlns:a16="http://schemas.microsoft.com/office/drawing/2014/main" xmlns="" id="{E5E6374B-9795-430B-A495-F423F92A54B0}"/>
+                <a16:creationId xmlns="" xmlns:a16="http://schemas.microsoft.com/office/drawing/2014/main" id="{E5E6374B-9795-430B-A495-F423F92A54B0}"/>
               </a:ext>
             </a:extLst>
           </p:cNvPr>
@@ -4022,7 +4022,7 @@
           <p:cNvPr id="3" name="Bildplatzhalter 2">
             <a:extLst>
               <a:ext uri="{FF2B5EF4-FFF2-40B4-BE49-F238E27FC236}">
-                <a16:creationId xmlns:a16="http://schemas.microsoft.com/office/drawing/2014/main" xmlns="" id="{036DF784-93EB-4084-94D8-502B41B59022}"/>
+                <a16:creationId xmlns="" xmlns:a16="http://schemas.microsoft.com/office/drawing/2014/main" id="{036DF784-93EB-4084-94D8-502B41B59022}"/>
               </a:ext>
             </a:extLst>
           </p:cNvPr>
@@ -4089,7 +4089,7 @@
           <p:cNvPr id="4" name="Textplatzhalter 3">
             <a:extLst>
               <a:ext uri="{FF2B5EF4-FFF2-40B4-BE49-F238E27FC236}">
-                <a16:creationId xmlns:a16="http://schemas.microsoft.com/office/drawing/2014/main" xmlns="" id="{8F41D6B1-CAC9-43B5-8288-F21476CE26C5}"/>
+                <a16:creationId xmlns="" xmlns:a16="http://schemas.microsoft.com/office/drawing/2014/main" id="{8F41D6B1-CAC9-43B5-8288-F21476CE26C5}"/>
               </a:ext>
             </a:extLst>
           </p:cNvPr>
@@ -4160,7 +4160,7 @@
           <p:cNvPr id="5" name="Datumsplatzhalter 4">
             <a:extLst>
               <a:ext uri="{FF2B5EF4-FFF2-40B4-BE49-F238E27FC236}">
-                <a16:creationId xmlns:a16="http://schemas.microsoft.com/office/drawing/2014/main" xmlns="" id="{D24A9041-3C06-495E-AF4A-4221DC9CA91E}"/>
+                <a16:creationId xmlns="" xmlns:a16="http://schemas.microsoft.com/office/drawing/2014/main" id="{D24A9041-3C06-495E-AF4A-4221DC9CA91E}"/>
               </a:ext>
             </a:extLst>
           </p:cNvPr>
@@ -4178,7 +4178,7 @@
           <a:p>
             <a:fld id="{4D951AB5-3AFF-4E23-B380-FFE92C2B74DD}" type="datetime1">
               <a:rPr lang="de-DE" smtClean="0"/>
-              <a:t>08.07.2018</a:t>
+              <a:t>09.07.2018</a:t>
             </a:fld>
             <a:endParaRPr lang="de-DE"/>
           </a:p>
@@ -4189,7 +4189,7 @@
           <p:cNvPr id="7" name="Foliennummernplatzhalter 6">
             <a:extLst>
               <a:ext uri="{FF2B5EF4-FFF2-40B4-BE49-F238E27FC236}">
-                <a16:creationId xmlns:a16="http://schemas.microsoft.com/office/drawing/2014/main" xmlns="" id="{3A3ED597-52C7-4BAE-989E-C3C6448F5B32}"/>
+                <a16:creationId xmlns="" xmlns:a16="http://schemas.microsoft.com/office/drawing/2014/main" id="{3A3ED597-52C7-4BAE-989E-C3C6448F5B32}"/>
               </a:ext>
             </a:extLst>
           </p:cNvPr>
@@ -4253,7 +4253,7 @@
           <p:cNvPr id="9" name="Grafik 8">
             <a:extLst>
               <a:ext uri="{FF2B5EF4-FFF2-40B4-BE49-F238E27FC236}">
-                <a16:creationId xmlns:a16="http://schemas.microsoft.com/office/drawing/2014/main" xmlns="" id="{7A379F1C-2660-4789-9972-53B64D55CC3E}"/>
+                <a16:creationId xmlns="" xmlns:a16="http://schemas.microsoft.com/office/drawing/2014/main" id="{7A379F1C-2660-4789-9972-53B64D55CC3E}"/>
               </a:ext>
             </a:extLst>
           </p:cNvPr>
@@ -4289,7 +4289,7 @@
           <p:cNvPr id="2" name="Titelplatzhalter 1">
             <a:extLst>
               <a:ext uri="{FF2B5EF4-FFF2-40B4-BE49-F238E27FC236}">
-                <a16:creationId xmlns:a16="http://schemas.microsoft.com/office/drawing/2014/main" xmlns="" id="{DEB8BAE8-97B4-4801-B1D8-A8524D747358}"/>
+                <a16:creationId xmlns="" xmlns:a16="http://schemas.microsoft.com/office/drawing/2014/main" id="{DEB8BAE8-97B4-4801-B1D8-A8524D747358}"/>
               </a:ext>
             </a:extLst>
           </p:cNvPr>
@@ -4327,7 +4327,7 @@
           <p:cNvPr id="3" name="Textplatzhalter 2">
             <a:extLst>
               <a:ext uri="{FF2B5EF4-FFF2-40B4-BE49-F238E27FC236}">
-                <a16:creationId xmlns:a16="http://schemas.microsoft.com/office/drawing/2014/main" xmlns="" id="{63E77A8F-6878-4E61-BC0E-2E4E240C9347}"/>
+                <a16:creationId xmlns="" xmlns:a16="http://schemas.microsoft.com/office/drawing/2014/main" id="{63E77A8F-6878-4E61-BC0E-2E4E240C9347}"/>
               </a:ext>
             </a:extLst>
           </p:cNvPr>
@@ -4394,7 +4394,7 @@
           <p:cNvPr id="4" name="Datumsplatzhalter 3">
             <a:extLst>
               <a:ext uri="{FF2B5EF4-FFF2-40B4-BE49-F238E27FC236}">
-                <a16:creationId xmlns:a16="http://schemas.microsoft.com/office/drawing/2014/main" xmlns="" id="{9ACCE978-AE43-463A-92DA-4CC1B167373D}"/>
+                <a16:creationId xmlns="" xmlns:a16="http://schemas.microsoft.com/office/drawing/2014/main" id="{9ACCE978-AE43-463A-92DA-4CC1B167373D}"/>
               </a:ext>
             </a:extLst>
           </p:cNvPr>
@@ -4430,7 +4430,7 @@
           <a:p>
             <a:fld id="{83513245-D076-4BBB-9726-3849BBE18C61}" type="datetime1">
               <a:rPr lang="de-DE" smtClean="0"/>
-              <a:t>08.07.2018</a:t>
+              <a:t>09.07.2018</a:t>
             </a:fld>
             <a:endParaRPr lang="de-DE" dirty="0"/>
           </a:p>
@@ -4441,7 +4441,7 @@
           <p:cNvPr id="6" name="Foliennummernplatzhalter 5">
             <a:extLst>
               <a:ext uri="{FF2B5EF4-FFF2-40B4-BE49-F238E27FC236}">
-                <a16:creationId xmlns:a16="http://schemas.microsoft.com/office/drawing/2014/main" xmlns="" id="{593F00E4-276F-4732-91E8-B5F61756DE42}"/>
+                <a16:creationId xmlns="" xmlns:a16="http://schemas.microsoft.com/office/drawing/2014/main" id="{593F00E4-276F-4732-91E8-B5F61756DE42}"/>
               </a:ext>
             </a:extLst>
           </p:cNvPr>
@@ -4487,7 +4487,7 @@
           <p:cNvPr id="12" name="Grafik 11">
             <a:extLst>
               <a:ext uri="{FF2B5EF4-FFF2-40B4-BE49-F238E27FC236}">
-                <a16:creationId xmlns:a16="http://schemas.microsoft.com/office/drawing/2014/main" xmlns="" id="{D02857D4-0246-458F-94E2-8F16CC0D7FB7}"/>
+                <a16:creationId xmlns="" xmlns:a16="http://schemas.microsoft.com/office/drawing/2014/main" id="{D02857D4-0246-458F-94E2-8F16CC0D7FB7}"/>
               </a:ext>
             </a:extLst>
           </p:cNvPr>
@@ -4523,7 +4523,7 @@
           <p:cNvPr id="16" name="Fußzeilenplatzhalter 4">
             <a:extLst>
               <a:ext uri="{FF2B5EF4-FFF2-40B4-BE49-F238E27FC236}">
-                <a16:creationId xmlns:a16="http://schemas.microsoft.com/office/drawing/2014/main" xmlns="" id="{93D1C25E-2C0F-4541-AA98-2C41C9CFAF34}"/>
+                <a16:creationId xmlns="" xmlns:a16="http://schemas.microsoft.com/office/drawing/2014/main" id="{93D1C25E-2C0F-4541-AA98-2C41C9CFAF34}"/>
               </a:ext>
             </a:extLst>
           </p:cNvPr>
@@ -4674,7 +4674,7 @@
           <p:cNvPr id="10" name="Fußzeilenplatzhalter 4">
             <a:extLst>
               <a:ext uri="{FF2B5EF4-FFF2-40B4-BE49-F238E27FC236}">
-                <a16:creationId xmlns:a16="http://schemas.microsoft.com/office/drawing/2014/main" xmlns="" id="{5B9EB46B-7606-4890-BD73-ED5FCD332FBE}"/>
+                <a16:creationId xmlns="" xmlns:a16="http://schemas.microsoft.com/office/drawing/2014/main" id="{5B9EB46B-7606-4890-BD73-ED5FCD332FBE}"/>
               </a:ext>
             </a:extLst>
           </p:cNvPr>
@@ -5184,7 +5184,7 @@
   </p:txStyles>
   <p:extLst mod="1">
     <p:ext uri="{27BBF7A9-308A-43DC-89C8-2F10F3537804}">
-      <p15:sldGuideLst xmlns:p15="http://schemas.microsoft.com/office/powerpoint/2012/main" xmlns="">
+      <p15:sldGuideLst xmlns="" xmlns:p15="http://schemas.microsoft.com/office/powerpoint/2012/main">
         <p15:guide id="1" orient="horz" pos="618" userDrawn="1">
           <p15:clr>
             <a:srgbClr val="F26B43"/>
@@ -5235,7 +5235,7 @@
           <p:cNvPr id="7" name="Rectangle 2">
             <a:extLst>
               <a:ext uri="{FF2B5EF4-FFF2-40B4-BE49-F238E27FC236}">
-                <a16:creationId xmlns:a16="http://schemas.microsoft.com/office/drawing/2014/main" xmlns="" id="{92B401D3-9C9F-457C-B31F-B21C8B9F33C4}"/>
+                <a16:creationId xmlns="" xmlns:a16="http://schemas.microsoft.com/office/drawing/2014/main" id="{92B401D3-9C9F-457C-B31F-B21C8B9F33C4}"/>
               </a:ext>
             </a:extLst>
           </p:cNvPr>
@@ -5282,7 +5282,7 @@
           <p:cNvPr id="8" name="Rectangle 3">
             <a:extLst>
               <a:ext uri="{FF2B5EF4-FFF2-40B4-BE49-F238E27FC236}">
-                <a16:creationId xmlns:a16="http://schemas.microsoft.com/office/drawing/2014/main" xmlns="" id="{A697FBC9-DE87-47E6-AB36-F4F0B38DC83A}"/>
+                <a16:creationId xmlns="" xmlns:a16="http://schemas.microsoft.com/office/drawing/2014/main" id="{A697FBC9-DE87-47E6-AB36-F4F0B38DC83A}"/>
               </a:ext>
             </a:extLst>
           </p:cNvPr>
@@ -5631,8 +5631,8 @@
           </a:graphicData>
         </a:graphic>
       </p:graphicFrame>
-      <mc:AlternateContent xmlns:mc="http://schemas.openxmlformats.org/markup-compatibility/2006">
-        <mc:Choice xmlns:a14="http://schemas.microsoft.com/office/drawing/2010/main" Requires="a14">
+      <mc:AlternateContent xmlns:mc="http://schemas.openxmlformats.org/markup-compatibility/2006" xmlns:a14="http://schemas.microsoft.com/office/drawing/2010/main">
+        <mc:Choice Requires="a14">
           <p:sp>
             <p:nvSpPr>
               <p:cNvPr id="7" name="Textfeld 6"/>
@@ -5655,6 +5655,7 @@
               </a:bodyPr>
               <a:lstStyle/>
               <a:p>
+                <a:pPr/>
                 <a14:m>
                   <m:oMathPara xmlns:m="http://schemas.openxmlformats.org/officeDocument/2006/math">
                     <m:oMathParaPr>
@@ -5737,7 +5738,7 @@
             </p:txBody>
           </p:sp>
         </mc:Choice>
-        <mc:Fallback>
+        <mc:Fallback xmlns="">
           <p:sp>
             <p:nvSpPr>
               <p:cNvPr id="7" name="Textfeld 6"/>
@@ -6216,12 +6217,12 @@
                   <a:t>Monte </a:t>
                 </a:r>
                 <a:r>
-                  <a:rPr lang="de-DE" dirty="0" err="1" smtClean="0"/>
-                  <a:t>carlo</a:t>
+                  <a:rPr lang="de-DE" dirty="0"/>
+                  <a:t>C</a:t>
                 </a:r>
                 <a:r>
                   <a:rPr lang="de-DE" dirty="0" smtClean="0"/>
-                  <a:t> </a:t>
+                  <a:t>arlo </a:t>
                 </a:r>
                 <a:r>
                   <a:rPr lang="de-DE" dirty="0" err="1" smtClean="0"/>
@@ -9236,8 +9237,8 @@
           </a:graphicData>
         </a:graphic>
       </p:graphicFrame>
-      <mc:AlternateContent xmlns:mc="http://schemas.openxmlformats.org/markup-compatibility/2006">
-        <mc:Choice xmlns:a14="http://schemas.microsoft.com/office/drawing/2010/main" Requires="a14">
+      <mc:AlternateContent xmlns:mc="http://schemas.openxmlformats.org/markup-compatibility/2006" xmlns:a14="http://schemas.microsoft.com/office/drawing/2010/main">
+        <mc:Choice Requires="a14">
           <p:sp>
             <p:nvSpPr>
               <p:cNvPr id="8" name="Textfeld 7"/>
@@ -9260,6 +9261,7 @@
               </a:bodyPr>
               <a:lstStyle/>
               <a:p>
+                <a:pPr/>
                 <a14:m>
                   <m:oMathPara xmlns:m="http://schemas.openxmlformats.org/officeDocument/2006/math">
                     <m:oMathParaPr>
@@ -9288,6 +9290,7 @@
                 </a:endParaRPr>
               </a:p>
               <a:p>
+                <a:pPr/>
                 <a14:m>
                   <m:oMathPara xmlns:m="http://schemas.openxmlformats.org/officeDocument/2006/math">
                     <m:oMathParaPr>
@@ -9373,7 +9376,7 @@
             </p:txBody>
           </p:sp>
         </mc:Choice>
-        <mc:Fallback>
+        <mc:Fallback xmlns="">
           <p:sp>
             <p:nvSpPr>
               <p:cNvPr id="8" name="Textfeld 7"/>
@@ -9656,7 +9659,7 @@
           <p:cNvPr id="2" name="Titel 1">
             <a:extLst>
               <a:ext uri="{FF2B5EF4-FFF2-40B4-BE49-F238E27FC236}">
-                <a16:creationId xmlns:a16="http://schemas.microsoft.com/office/drawing/2014/main" xmlns="" id="{73863F0A-7600-4B63-A8C0-9DEAA5B4268C}"/>
+                <a16:creationId xmlns="" xmlns:a16="http://schemas.microsoft.com/office/drawing/2014/main" id="{73863F0A-7600-4B63-A8C0-9DEAA5B4268C}"/>
               </a:ext>
             </a:extLst>
           </p:cNvPr>
@@ -9690,7 +9693,7 @@
           <p:cNvPr id="3" name="Inhaltsplatzhalter 2">
             <a:extLst>
               <a:ext uri="{FF2B5EF4-FFF2-40B4-BE49-F238E27FC236}">
-                <a16:creationId xmlns:a16="http://schemas.microsoft.com/office/drawing/2014/main" xmlns="" id="{ED7BF064-F47C-4A9E-969A-CFE1F299ABDA}"/>
+                <a16:creationId xmlns="" xmlns:a16="http://schemas.microsoft.com/office/drawing/2014/main" id="{ED7BF064-F47C-4A9E-969A-CFE1F299ABDA}"/>
               </a:ext>
             </a:extLst>
           </p:cNvPr>
@@ -9842,7 +9845,7 @@
             </a:r>
             <a:r>
               <a:rPr lang="de-DE" dirty="0" err="1" smtClean="0"/>
-              <a:t>implementaion</a:t>
+              <a:t>implementation</a:t>
             </a:r>
             <a:endParaRPr lang="de-DE" dirty="0"/>
           </a:p>
@@ -9853,7 +9856,7 @@
           <p:cNvPr id="4" name="Datumsplatzhalter 3">
             <a:extLst>
               <a:ext uri="{FF2B5EF4-FFF2-40B4-BE49-F238E27FC236}">
-                <a16:creationId xmlns:a16="http://schemas.microsoft.com/office/drawing/2014/main" xmlns="" id="{CF9768F0-1995-4C3C-8BDA-B8B76FCF48C7}"/>
+                <a16:creationId xmlns="" xmlns:a16="http://schemas.microsoft.com/office/drawing/2014/main" id="{CF9768F0-1995-4C3C-8BDA-B8B76FCF48C7}"/>
               </a:ext>
             </a:extLst>
           </p:cNvPr>
@@ -9876,7 +9879,7 @@
           <a:p>
             <a:fld id="{801FBE94-C069-4C95-AA74-CDBC26339DEF}" type="datetime1">
               <a:rPr lang="de-DE" smtClean="0"/>
-              <a:t>08.07.2018</a:t>
+              <a:t>09.07.2018</a:t>
             </a:fld>
             <a:endParaRPr lang="de-DE"/>
           </a:p>
@@ -9887,7 +9890,7 @@
           <p:cNvPr id="5" name="Foliennummernplatzhalter 4">
             <a:extLst>
               <a:ext uri="{FF2B5EF4-FFF2-40B4-BE49-F238E27FC236}">
-                <a16:creationId xmlns:a16="http://schemas.microsoft.com/office/drawing/2014/main" xmlns="" id="{495DE575-A599-411D-BA7D-A4B2AA327B68}"/>
+                <a16:creationId xmlns="" xmlns:a16="http://schemas.microsoft.com/office/drawing/2014/main" id="{495DE575-A599-411D-BA7D-A4B2AA327B68}"/>
               </a:ext>
             </a:extLst>
           </p:cNvPr>
@@ -9975,8 +9978,8 @@
           </a:p>
         </p:txBody>
       </p:sp>
-      <mc:AlternateContent xmlns:mc="http://schemas.openxmlformats.org/markup-compatibility/2006">
-        <mc:Choice xmlns:a14="http://schemas.microsoft.com/office/drawing/2010/main" Requires="a14">
+      <mc:AlternateContent xmlns:mc="http://schemas.openxmlformats.org/markup-compatibility/2006" xmlns:a14="http://schemas.microsoft.com/office/drawing/2010/main">
+        <mc:Choice Requires="a14">
           <p:sp>
             <p:nvSpPr>
               <p:cNvPr id="3" name="Inhaltsplatzhalter 2"/>
@@ -10632,7 +10635,7 @@
             </p:txBody>
           </p:sp>
         </mc:Choice>
-        <mc:Fallback>
+        <mc:Fallback xmlns="">
           <p:sp>
             <p:nvSpPr>
               <p:cNvPr id="3" name="Inhaltsplatzhalter 2"/>
@@ -11683,11 +11686,11 @@
               <a:t> </a:t>
             </a:r>
             <a:r>
-              <a:rPr lang="de-DE" dirty="0" err="1"/>
-              <a:t>meassures</a:t>
-            </a:r>
-            <a:r>
-              <a:rPr lang="de-DE" dirty="0"/>
+              <a:rPr lang="de-DE" dirty="0" err="1" smtClean="0"/>
+              <a:t>measures</a:t>
+            </a:r>
+            <a:r>
+              <a:rPr lang="de-DE" dirty="0" smtClean="0"/>
               <a:t> </a:t>
             </a:r>
             <a:r>
@@ -13816,7 +13819,7 @@
   <a:extraClrSchemeLst/>
   <a:extLst>
     <a:ext uri="{05A4C25C-085E-4340-85A3-A5531E510DB2}">
-      <thm15:themeFamily xmlns:thm15="http://schemas.microsoft.com/office/thememl/2012/main" xmlns="" name="Office Theme" id="{62F939B6-93AF-4DB8-9C6B-D6C7DFDC589F}" vid="{4A3C46E8-61CC-4603-A589-7422A47A8E4A}"/>
+      <thm15:themeFamily xmlns="" xmlns:thm15="http://schemas.microsoft.com/office/thememl/2012/main" name="Office Theme" id="{62F939B6-93AF-4DB8-9C6B-D6C7DFDC589F}" vid="{4A3C46E8-61CC-4603-A589-7422A47A8E4A}"/>
     </a:ext>
   </a:extLst>
 </a:theme>
@@ -14111,7 +14114,7 @@
   <a:extraClrSchemeLst/>
   <a:extLst>
     <a:ext uri="{05A4C25C-085E-4340-85A3-A5531E510DB2}">
-      <thm15:themeFamily xmlns:thm15="http://schemas.microsoft.com/office/thememl/2012/main" xmlns="" name="Office Theme" id="{62F939B6-93AF-4DB8-9C6B-D6C7DFDC589F}" vid="{4A3C46E8-61CC-4603-A589-7422A47A8E4A}"/>
+      <thm15:themeFamily xmlns="" xmlns:thm15="http://schemas.microsoft.com/office/thememl/2012/main" name="Office Theme" id="{62F939B6-93AF-4DB8-9C6B-D6C7DFDC589F}" vid="{4A3C46E8-61CC-4603-A589-7422A47A8E4A}"/>
     </a:ext>
   </a:extLst>
 </a:theme>
